--- a/IBFE Lectures/4-IBFE Lecture - Apply Active Tension.pptx
+++ b/IBFE Lectures/4-IBFE Lecture - Apply Active Tension.pptx
@@ -263,6 +263,11 @@
       </a:defRPr>
     </a:lvl9pPr>
   </p:defaultTextStyle>
+  <p:extLst>
+    <p:ext uri="{EFAFB233-063F-42B5-8137-9DF3F51BA10A}">
+      <p15:sldGuideLst xmlns:p15="http://schemas.microsoft.com/office/powerpoint/2012/main"/>
+    </p:ext>
+  </p:extLst>
 </p:presentation>
 </file>
 
@@ -5535,7 +5540,7 @@
         </p:nvSpPr>
         <p:spPr>
           <a:xfrm>
-            <a:off x="685800" y="1583342"/>
+            <a:off x="650631" y="2554012"/>
             <a:ext cx="7772400" cy="1159856"/>
           </a:xfrm>
           <a:prstGeom prst="rect">
@@ -5558,10 +5563,28 @@
               <a:buNone/>
             </a:pPr>
             <a:r>
-              <a:rPr lang="en"/>
-              <a:t>4-IBFE Tutorial: Fiber Tension</a:t>
-            </a:r>
-            <a:endParaRPr/>
+              <a:rPr lang="en" dirty="0"/>
+              <a:t>4-IBFE Tutorial: Fiber </a:t>
+            </a:r>
+            <a:r>
+              <a:rPr lang="en" dirty="0" smtClean="0"/>
+              <a:t>Tension</a:t>
+            </a:r>
+            <a:br>
+              <a:rPr lang="en" dirty="0" smtClean="0"/>
+            </a:br>
+            <a:r>
+              <a:rPr lang="en" dirty="0" smtClean="0"/>
+              <a:t/>
+            </a:r>
+            <a:br>
+              <a:rPr lang="en" dirty="0" smtClean="0"/>
+            </a:br>
+            <a:r>
+              <a:rPr lang="en" sz="2400" dirty="0" smtClean="0"/>
+              <a:t>Adapted from Alex Hoover</a:t>
+            </a:r>
+            <a:endParaRPr dirty="0"/>
           </a:p>
         </p:txBody>
       </p:sp>
@@ -5779,7 +5802,7 @@
               <a:buNone/>
             </a:pPr>
             <a:r>
-              <a:rPr lang="en" sz="1200">
+              <a:rPr lang="en" sz="1200" dirty="0">
                 <a:latin typeface="Courier New"/>
                 <a:ea typeface="Courier New"/>
                 <a:cs typeface="Courier New"/>
@@ -5787,7 +5810,7 @@
               </a:rPr>
               <a:t>//Moves by comparing to reference configuration, s(.)</a:t>
             </a:r>
-            <a:endParaRPr sz="1200">
+            <a:endParaRPr sz="1200" dirty="0">
               <a:latin typeface="Courier New"/>
               <a:ea typeface="Courier New"/>
               <a:cs typeface="Courier New"/>
@@ -5805,7 +5828,7 @@
               <a:buNone/>
             </a:pPr>
             <a:r>
-              <a:rPr lang="en" sz="1200">
+              <a:rPr lang="en" sz="1200" dirty="0">
                 <a:latin typeface="Courier New"/>
                 <a:ea typeface="Courier New"/>
                 <a:cs typeface="Courier New"/>
@@ -5813,7 +5836,7 @@
               </a:rPr>
               <a:t>{  libMesh::Point s_dump;</a:t>
             </a:r>
-            <a:endParaRPr sz="1200">
+            <a:endParaRPr sz="1200" dirty="0">
               <a:latin typeface="Courier New"/>
               <a:ea typeface="Courier New"/>
               <a:cs typeface="Courier New"/>
@@ -5831,7 +5854,7 @@
               <a:buNone/>
             </a:pPr>
             <a:r>
-              <a:rPr lang="en" sz="1200">
+              <a:rPr lang="en" sz="1200" dirty="0">
                 <a:latin typeface="Courier New"/>
                 <a:ea typeface="Courier New"/>
                 <a:cs typeface="Courier New"/>
@@ -5839,7 +5862,7 @@
               </a:rPr>
               <a:t>   kappa_s=1e6; //Stiffness constant</a:t>
             </a:r>
-            <a:endParaRPr sz="1200">
+            <a:endParaRPr sz="1200" dirty="0">
               <a:latin typeface="Courier New"/>
               <a:ea typeface="Courier New"/>
               <a:cs typeface="Courier New"/>
@@ -5857,7 +5880,7 @@
               <a:buNone/>
             </a:pPr>
             <a:r>
-              <a:rPr lang="en" sz="1200">
+              <a:rPr lang="en" sz="1200" dirty="0">
                 <a:latin typeface="Courier New"/>
                 <a:ea typeface="Courier New"/>
                 <a:cs typeface="Courier New"/>
@@ -5865,7 +5888,7 @@
               </a:rPr>
               <a:t>    if(time&lt;1)	{</a:t>
             </a:r>
-            <a:endParaRPr sz="1200">
+            <a:endParaRPr sz="1200" dirty="0">
               <a:latin typeface="Courier New"/>
               <a:ea typeface="Courier New"/>
               <a:cs typeface="Courier New"/>
@@ -5883,7 +5906,7 @@
               <a:buNone/>
             </a:pPr>
             <a:r>
-              <a:rPr lang="en" sz="1200">
+              <a:rPr lang="en" sz="1200" dirty="0">
                 <a:latin typeface="Courier New"/>
                 <a:ea typeface="Courier New"/>
                 <a:cs typeface="Courier New"/>
@@ -5891,7 +5914,7 @@
               </a:rPr>
               <a:t>	  s_dump(1)=s(1)+.5*time; //y-component</a:t>
             </a:r>
-            <a:endParaRPr sz="1200">
+            <a:endParaRPr sz="1200" dirty="0">
               <a:latin typeface="Courier New"/>
               <a:ea typeface="Courier New"/>
               <a:cs typeface="Courier New"/>
@@ -5909,7 +5932,7 @@
               <a:buNone/>
             </a:pPr>
             <a:r>
-              <a:rPr lang="en" sz="1200">
+              <a:rPr lang="en" sz="1200" dirty="0">
                 <a:latin typeface="Courier New"/>
                 <a:ea typeface="Courier New"/>
                 <a:cs typeface="Courier New"/>
@@ -5917,7 +5940,7 @@
               </a:rPr>
               <a:t>	  s_dump(0)=s(0);         //x-component </a:t>
             </a:r>
-            <a:endParaRPr sz="1200">
+            <a:endParaRPr sz="1200" dirty="0">
               <a:latin typeface="Courier New"/>
               <a:ea typeface="Courier New"/>
               <a:cs typeface="Courier New"/>
@@ -5935,7 +5958,7 @@
               <a:buNone/>
             </a:pPr>
             <a:r>
-              <a:rPr lang="en" sz="1200">
+              <a:rPr lang="en" sz="1200" dirty="0">
                 <a:latin typeface="Courier New"/>
                 <a:ea typeface="Courier New"/>
                 <a:cs typeface="Courier New"/>
@@ -5943,7 +5966,7 @@
               </a:rPr>
               <a:t>	}</a:t>
             </a:r>
-            <a:endParaRPr sz="1200">
+            <a:endParaRPr sz="1200" dirty="0">
               <a:latin typeface="Courier New"/>
               <a:ea typeface="Courier New"/>
               <a:cs typeface="Courier New"/>
@@ -5961,7 +5984,7 @@
               <a:buNone/>
             </a:pPr>
             <a:r>
-              <a:rPr lang="en" sz="1200">
+              <a:rPr lang="en" sz="1200" dirty="0">
                 <a:latin typeface="Courier New"/>
                 <a:ea typeface="Courier New"/>
                 <a:cs typeface="Courier New"/>
@@ -5969,7 +5992,7 @@
               </a:rPr>
               <a:t>    else if(time&lt;3)	{</a:t>
             </a:r>
-            <a:endParaRPr sz="1200">
+            <a:endParaRPr sz="1200" dirty="0">
               <a:latin typeface="Courier New"/>
               <a:ea typeface="Courier New"/>
               <a:cs typeface="Courier New"/>
@@ -5987,7 +6010,7 @@
               <a:buNone/>
             </a:pPr>
             <a:r>
-              <a:rPr lang="en" sz="1200">
+              <a:rPr lang="en" sz="1200" dirty="0">
                 <a:latin typeface="Courier New"/>
                 <a:ea typeface="Courier New"/>
                 <a:cs typeface="Courier New"/>
@@ -5995,7 +6018,7 @@
               </a:rPr>
               <a:t>	  s_dump(1)=s(1)+.5+.5*(1-time);</a:t>
             </a:r>
-            <a:endParaRPr sz="1200">
+            <a:endParaRPr sz="1200" dirty="0">
               <a:latin typeface="Courier New"/>
               <a:ea typeface="Courier New"/>
               <a:cs typeface="Courier New"/>
@@ -6013,7 +6036,7 @@
               <a:buNone/>
             </a:pPr>
             <a:r>
-              <a:rPr lang="en" sz="1200">
+              <a:rPr lang="en" sz="1200" dirty="0">
                 <a:latin typeface="Courier New"/>
                 <a:ea typeface="Courier New"/>
                 <a:cs typeface="Courier New"/>
@@ -6021,7 +6044,7 @@
               </a:rPr>
               <a:t>	  s_dump(0)=s(0);</a:t>
             </a:r>
-            <a:endParaRPr sz="1200">
+            <a:endParaRPr sz="1200" dirty="0">
               <a:latin typeface="Courier New"/>
               <a:ea typeface="Courier New"/>
               <a:cs typeface="Courier New"/>
@@ -6039,7 +6062,7 @@
               <a:buNone/>
             </a:pPr>
             <a:r>
-              <a:rPr lang="en" sz="1200">
+              <a:rPr lang="en" sz="1200" dirty="0">
                 <a:latin typeface="Courier New"/>
                 <a:ea typeface="Courier New"/>
                 <a:cs typeface="Courier New"/>
@@ -6047,7 +6070,7 @@
               </a:rPr>
               <a:t>	}</a:t>
             </a:r>
-            <a:endParaRPr sz="1200">
+            <a:endParaRPr sz="1200" dirty="0">
               <a:latin typeface="Courier New"/>
               <a:ea typeface="Courier New"/>
               <a:cs typeface="Courier New"/>
@@ -6065,7 +6088,7 @@
               <a:buNone/>
             </a:pPr>
             <a:r>
-              <a:rPr lang="en" sz="1200">
+              <a:rPr lang="en" sz="1200" dirty="0">
                 <a:latin typeface="Courier New"/>
                 <a:ea typeface="Courier New"/>
                 <a:cs typeface="Courier New"/>
@@ -6073,7 +6096,7 @@
               </a:rPr>
               <a:t>    else      {</a:t>
             </a:r>
-            <a:endParaRPr sz="1200">
+            <a:endParaRPr sz="1200" dirty="0">
               <a:latin typeface="Courier New"/>
               <a:ea typeface="Courier New"/>
               <a:cs typeface="Courier New"/>
@@ -6091,7 +6114,7 @@
               <a:buNone/>
             </a:pPr>
             <a:r>
-              <a:rPr lang="en" sz="1200">
+              <a:rPr lang="en" sz="1200" dirty="0">
                 <a:latin typeface="Courier New"/>
                 <a:ea typeface="Courier New"/>
                 <a:cs typeface="Courier New"/>
@@ -6099,7 +6122,7 @@
               </a:rPr>
               <a:t>	  s_dump(1)=X(1); //X(.): current configuration</a:t>
             </a:r>
-            <a:endParaRPr sz="1200">
+            <a:endParaRPr sz="1200" dirty="0">
               <a:latin typeface="Courier New"/>
               <a:ea typeface="Courier New"/>
               <a:cs typeface="Courier New"/>
@@ -6117,7 +6140,7 @@
               <a:buNone/>
             </a:pPr>
             <a:r>
-              <a:rPr lang="en" sz="1200">
+              <a:rPr lang="en" sz="1200" dirty="0">
                 <a:latin typeface="Courier New"/>
                 <a:ea typeface="Courier New"/>
                 <a:cs typeface="Courier New"/>
@@ -6125,7 +6148,7 @@
               </a:rPr>
               <a:t>	  s_dump(0)=X(0);</a:t>
             </a:r>
-            <a:endParaRPr sz="1200">
+            <a:endParaRPr sz="1200" dirty="0">
               <a:latin typeface="Courier New"/>
               <a:ea typeface="Courier New"/>
               <a:cs typeface="Courier New"/>
@@ -6143,7 +6166,7 @@
               <a:buNone/>
             </a:pPr>
             <a:r>
-              <a:rPr lang="en" sz="1200">
+              <a:rPr lang="en" sz="1200" dirty="0">
                 <a:latin typeface="Courier New"/>
                 <a:ea typeface="Courier New"/>
                 <a:cs typeface="Courier New"/>
@@ -6151,7 +6174,7 @@
               </a:rPr>
               <a:t>      }</a:t>
             </a:r>
-            <a:endParaRPr sz="1200">
+            <a:endParaRPr sz="1200" dirty="0">
               <a:latin typeface="Courier New"/>
               <a:ea typeface="Courier New"/>
               <a:cs typeface="Courier New"/>
@@ -6169,7 +6192,7 @@
               <a:buNone/>
             </a:pPr>
             <a:r>
-              <a:rPr lang="en" sz="1200">
+              <a:rPr lang="en" sz="1200" dirty="0">
                 <a:latin typeface="Courier New"/>
                 <a:ea typeface="Courier New"/>
                 <a:cs typeface="Courier New"/>
@@ -6177,7 +6200,7 @@
               </a:rPr>
               <a:t>    F = kappa_s*(s_dump-X);      //usual target point movement </a:t>
             </a:r>
-            <a:endParaRPr sz="1200">
+            <a:endParaRPr sz="1200" dirty="0">
               <a:latin typeface="Courier New"/>
               <a:ea typeface="Courier New"/>
               <a:cs typeface="Courier New"/>
@@ -6195,7 +6218,7 @@
               <a:buNone/>
             </a:pPr>
             <a:r>
-              <a:rPr lang="en" sz="1200">
+              <a:rPr lang="en" sz="1200" dirty="0">
                 <a:latin typeface="Courier New"/>
                 <a:ea typeface="Courier New"/>
                 <a:cs typeface="Courier New"/>
@@ -6203,7 +6226,7 @@
               </a:rPr>
               <a:t>    return;</a:t>
             </a:r>
-            <a:endParaRPr sz="1200">
+            <a:endParaRPr sz="1200" dirty="0">
               <a:latin typeface="Courier New"/>
               <a:ea typeface="Courier New"/>
               <a:cs typeface="Courier New"/>
@@ -6221,7 +6244,7 @@
               <a:buNone/>
             </a:pPr>
             <a:r>
-              <a:rPr lang="en" sz="1200">
+              <a:rPr lang="en" sz="1200" dirty="0">
                 <a:latin typeface="Courier New"/>
                 <a:ea typeface="Courier New"/>
                 <a:cs typeface="Courier New"/>
@@ -6229,7 +6252,7 @@
               </a:rPr>
               <a:t>}</a:t>
             </a:r>
-            <a:endParaRPr sz="1200">
+            <a:endParaRPr sz="1200" dirty="0">
               <a:latin typeface="Courier New"/>
               <a:ea typeface="Courier New"/>
               <a:cs typeface="Courier New"/>
@@ -6246,7 +6269,7 @@
               </a:spcAft>
               <a:buNone/>
             </a:pPr>
-            <a:endParaRPr sz="1800"/>
+            <a:endParaRPr sz="1800" dirty="0"/>
           </a:p>
         </p:txBody>
       </p:sp>
@@ -9226,10 +9249,10 @@
               <a:buNone/>
             </a:pPr>
             <a:r>
-              <a:rPr lang="en" sz="1200"/>
+              <a:rPr lang="en" sz="1200" dirty="0"/>
               <a:t>void active_stress_function(</a:t>
             </a:r>
-            <a:endParaRPr sz="1200"/>
+            <a:endParaRPr sz="1200" dirty="0"/>
           </a:p>
           <a:p>
             <a:pPr marL="0" lvl="0" indent="0" algn="l" rtl="0">
@@ -9247,10 +9270,10 @@
               <a:buNone/>
             </a:pPr>
             <a:r>
-              <a:rPr lang="en" sz="1200"/>
+              <a:rPr lang="en" sz="1200" dirty="0"/>
               <a:t>	TensorValue&lt;double&gt;&amp; PP,</a:t>
             </a:r>
-            <a:endParaRPr sz="1200"/>
+            <a:endParaRPr sz="1200" dirty="0"/>
           </a:p>
           <a:p>
             <a:pPr marL="0" lvl="0" indent="0" algn="l" rtl="0">
@@ -9268,10 +9291,10 @@
               <a:buNone/>
             </a:pPr>
             <a:r>
-              <a:rPr lang="en" sz="1200"/>
+              <a:rPr lang="en" sz="1200" dirty="0"/>
               <a:t>	const TensorValue&lt;double&gt;&amp; FF,</a:t>
             </a:r>
-            <a:endParaRPr sz="1200"/>
+            <a:endParaRPr sz="1200" dirty="0"/>
           </a:p>
           <a:p>
             <a:pPr marL="0" lvl="0" indent="0" algn="l" rtl="0">
@@ -9289,10 +9312,10 @@
               <a:buNone/>
             </a:pPr>
             <a:r>
-              <a:rPr lang="en" sz="1200"/>
+              <a:rPr lang="en" sz="1200" dirty="0"/>
               <a:t>	const libMesh::Point&amp; X,</a:t>
             </a:r>
-            <a:endParaRPr sz="1200"/>
+            <a:endParaRPr sz="1200" dirty="0"/>
           </a:p>
           <a:p>
             <a:pPr marL="0" lvl="0" indent="0" algn="l" rtl="0">
@@ -9310,10 +9333,10 @@
               <a:buNone/>
             </a:pPr>
             <a:r>
-              <a:rPr lang="en" sz="1200"/>
+              <a:rPr lang="en" sz="1200" dirty="0"/>
               <a:t>	const libMesh::Point&amp; s,</a:t>
             </a:r>
-            <a:endParaRPr sz="1200"/>
+            <a:endParaRPr sz="1200" dirty="0"/>
           </a:p>
           <a:p>
             <a:pPr marL="0" lvl="0" indent="0" algn="l" rtl="0">
@@ -9331,10 +9354,10 @@
               <a:buNone/>
             </a:pPr>
             <a:r>
-              <a:rPr lang="en" sz="1200"/>
+              <a:rPr lang="en" sz="1200" dirty="0"/>
               <a:t>	Elem* const /*elem*/,</a:t>
             </a:r>
-            <a:endParaRPr sz="1200"/>
+            <a:endParaRPr sz="1200" dirty="0"/>
           </a:p>
           <a:p>
             <a:pPr marL="0" lvl="0" indent="0" algn="l" rtl="0">
@@ -9352,10 +9375,10 @@
               <a:buNone/>
             </a:pPr>
             <a:r>
-              <a:rPr lang="en" sz="1200"/>
+              <a:rPr lang="en" sz="1200" dirty="0"/>
               <a:t>	const vector&lt;NumericVector&lt;double&gt;*&gt;&amp; /*system_data*/,</a:t>
             </a:r>
-            <a:endParaRPr sz="1200"/>
+            <a:endParaRPr sz="1200" dirty="0"/>
           </a:p>
           <a:p>
             <a:pPr marL="0" lvl="0" indent="0" algn="l" rtl="0">
@@ -9373,10 +9396,10 @@
               <a:buNone/>
             </a:pPr>
             <a:r>
-              <a:rPr lang="en" sz="1200"/>
+              <a:rPr lang="en" sz="1200" dirty="0"/>
               <a:t>	double time,</a:t>
             </a:r>
-            <a:endParaRPr sz="1200"/>
+            <a:endParaRPr sz="1200" dirty="0"/>
           </a:p>
           <a:p>
             <a:pPr marL="0" lvl="0" indent="0" algn="l" rtl="0">
@@ -9394,10 +9417,10 @@
               <a:buNone/>
             </a:pPr>
             <a:r>
-              <a:rPr lang="en" sz="1200"/>
+              <a:rPr lang="en" sz="1200" dirty="0"/>
               <a:t>	void* /*ctx*/)</a:t>
             </a:r>
-            <a:endParaRPr sz="1200"/>
+            <a:endParaRPr sz="1200" dirty="0"/>
           </a:p>
           <a:p>
             <a:pPr marL="0" lvl="0" indent="0" algn="l" rtl="0">
@@ -9415,10 +9438,10 @@
               <a:buNone/>
             </a:pPr>
             <a:r>
-              <a:rPr lang="en" sz="1200"/>
+              <a:rPr lang="en" sz="1200" dirty="0"/>
               <a:t>{</a:t>
             </a:r>
-            <a:endParaRPr sz="1200"/>
+            <a:endParaRPr sz="1200" dirty="0"/>
           </a:p>
           <a:p>
             <a:pPr marL="0" lvl="0" indent="0" algn="l" rtl="0">
@@ -9430,7 +9453,7 @@
               </a:spcAft>
               <a:buNone/>
             </a:pPr>
-            <a:endParaRPr sz="1200"/>
+            <a:endParaRPr sz="1200" dirty="0"/>
           </a:p>
         </p:txBody>
       </p:sp>
@@ -9541,10 +9564,10 @@
               <a:buNone/>
             </a:pPr>
             <a:r>
-              <a:rPr lang="en" sz="1200"/>
+              <a:rPr lang="en" sz="1200" dirty="0"/>
               <a:t>    //apply tension only to the bottom half of the beam (e.g. check y-position of reference)</a:t>
             </a:r>
-            <a:endParaRPr sz="1200"/>
+            <a:endParaRPr sz="1200" dirty="0"/>
           </a:p>
           <a:p>
             <a:pPr marL="0" lvl="0" indent="0" algn="l" rtl="0">
@@ -9562,10 +9585,10 @@
               <a:buNone/>
             </a:pPr>
             <a:r>
-              <a:rPr lang="en" sz="1200"/>
+              <a:rPr lang="en" sz="1200" dirty="0"/>
               <a:t>	if (s(1) &lt; 0) {</a:t>
             </a:r>
-            <a:endParaRPr sz="1200"/>
+            <a:endParaRPr sz="1200" dirty="0"/>
           </a:p>
           <a:p>
             <a:pPr marL="0" lvl="0" indent="0" algn="l" rtl="0">
@@ -9583,10 +9606,10 @@
               <a:buNone/>
             </a:pPr>
             <a:r>
-              <a:rPr lang="en" sz="1200"/>
+              <a:rPr lang="en" sz="1200" dirty="0"/>
               <a:t>    	double t_cycle = time - floor(time);    //Determine time in the cycle.</a:t>
             </a:r>
-            <a:endParaRPr sz="1200"/>
+            <a:endParaRPr sz="1200" dirty="0"/>
           </a:p>
           <a:p>
             <a:pPr marL="0" lvl="0" indent="0" algn="l" rtl="0">
@@ -9604,10 +9627,10 @@
               <a:buNone/>
             </a:pPr>
             <a:r>
-              <a:rPr lang="en" sz="1200"/>
+              <a:rPr lang="en" sz="1200" dirty="0"/>
               <a:t>    	//Apply tension as traveling Gaussian wave along the x-axis</a:t>
             </a:r>
-            <a:endParaRPr sz="1200"/>
+            <a:endParaRPr sz="1200" dirty="0"/>
           </a:p>
           <a:p>
             <a:pPr marL="0" lvl="0" indent="0" algn="l" rtl="0">
@@ -9625,10 +9648,10 @@
               <a:buNone/>
             </a:pPr>
             <a:r>
-              <a:rPr lang="en" sz="1200"/>
+              <a:rPr lang="en" sz="1200" dirty="0"/>
               <a:t>    	double T = 30 * exp(-(s(0) - (t_cycle - .5)) * (s(0) - (t_cycle - .5)) / (.1 * .1));</a:t>
             </a:r>
-            <a:endParaRPr sz="1200"/>
+            <a:endParaRPr sz="1200" dirty="0"/>
           </a:p>
           <a:p>
             <a:pPr marL="0" lvl="0" indent="0" algn="l" rtl="0">
@@ -9646,10 +9669,10 @@
               <a:buNone/>
             </a:pPr>
             <a:r>
-              <a:rPr lang="en" sz="1200"/>
+              <a:rPr lang="en" sz="1200" dirty="0"/>
               <a:t>    	//const TensorValue&lt;double&gt; f_0(1,0);</a:t>
             </a:r>
-            <a:endParaRPr sz="1200"/>
+            <a:endParaRPr sz="1200" dirty="0"/>
           </a:p>
           <a:p>
             <a:pPr marL="0" lvl="0" indent="0" algn="l" rtl="0">
@@ -9667,10 +9690,10 @@
               <a:buNone/>
             </a:pPr>
             <a:r>
-              <a:rPr lang="en" sz="1200"/>
+              <a:rPr lang="en" sz="1200" dirty="0"/>
               <a:t>    	double J = FF.det();</a:t>
             </a:r>
-            <a:endParaRPr sz="1200"/>
+            <a:endParaRPr sz="1200" dirty="0"/>
           </a:p>
           <a:p>
             <a:pPr marL="0" lvl="0" indent="0" algn="l" rtl="0">
@@ -9688,10 +9711,10 @@
               <a:buNone/>
             </a:pPr>
             <a:r>
-              <a:rPr lang="en" sz="1200"/>
+              <a:rPr lang="en" sz="1200" dirty="0"/>
               <a:t>    	TensorValue&lt;double&gt; f_f;</a:t>
             </a:r>
-            <a:endParaRPr sz="1200"/>
+            <a:endParaRPr sz="1200" dirty="0"/>
           </a:p>
           <a:p>
             <a:pPr marL="0" lvl="0" indent="0" algn="l" rtl="0">
@@ -9709,10 +9732,10 @@
               <a:buNone/>
             </a:pPr>
             <a:r>
-              <a:rPr lang="en" sz="1200"/>
+              <a:rPr lang="en" sz="1200" dirty="0"/>
               <a:t>    	outer_product(f_f, f_0, f_0);</a:t>
             </a:r>
-            <a:endParaRPr sz="1200"/>
+            <a:endParaRPr sz="1200" dirty="0"/>
           </a:p>
           <a:p>
             <a:pPr marL="0" lvl="0" indent="0" algn="l" rtl="0">
@@ -9730,10 +9753,10 @@
               <a:buNone/>
             </a:pPr>
             <a:r>
-              <a:rPr lang="en" sz="1200"/>
+              <a:rPr lang="en" sz="1200" dirty="0"/>
               <a:t>    	PP = J * T * FF * f_f;</a:t>
             </a:r>
-            <a:endParaRPr sz="1200"/>
+            <a:endParaRPr sz="1200" dirty="0"/>
           </a:p>
           <a:p>
             <a:pPr marL="0" lvl="0" indent="0" algn="l" rtl="0">
@@ -9751,10 +9774,10 @@
               <a:buNone/>
             </a:pPr>
             <a:r>
-              <a:rPr lang="en" sz="1200"/>
+              <a:rPr lang="en" sz="1200" dirty="0"/>
               <a:t>	}</a:t>
             </a:r>
-            <a:endParaRPr sz="1200"/>
+            <a:endParaRPr sz="1200" dirty="0"/>
           </a:p>
           <a:p>
             <a:pPr marL="0" lvl="0" indent="0" algn="l" rtl="0">
@@ -9772,10 +9795,10 @@
               <a:buNone/>
             </a:pPr>
             <a:r>
-              <a:rPr lang="en" sz="1200"/>
+              <a:rPr lang="en" sz="1200" dirty="0"/>
               <a:t>	else {    //Set tension on top half to zero</a:t>
             </a:r>
-            <a:endParaRPr sz="1200"/>
+            <a:endParaRPr sz="1200" dirty="0"/>
           </a:p>
           <a:p>
             <a:pPr marL="0" lvl="0" indent="0" algn="l" rtl="0">
@@ -9793,10 +9816,10 @@
               <a:buNone/>
             </a:pPr>
             <a:r>
-              <a:rPr lang="en" sz="1200"/>
+              <a:rPr lang="en" sz="1200" dirty="0"/>
               <a:t>    	PP.zero();</a:t>
             </a:r>
-            <a:endParaRPr sz="1200"/>
+            <a:endParaRPr sz="1200" dirty="0"/>
           </a:p>
           <a:p>
             <a:pPr marL="0" lvl="0" indent="0" algn="l" rtl="0">
@@ -9814,10 +9837,10 @@
               <a:buNone/>
             </a:pPr>
             <a:r>
-              <a:rPr lang="en" sz="1200"/>
+              <a:rPr lang="en" sz="1200" dirty="0"/>
               <a:t>	}</a:t>
             </a:r>
-            <a:endParaRPr sz="1200"/>
+            <a:endParaRPr sz="1200" dirty="0"/>
           </a:p>
           <a:p>
             <a:pPr marL="0" lvl="0" indent="0" algn="l" rtl="0">
@@ -9835,10 +9858,10 @@
               <a:buNone/>
             </a:pPr>
             <a:r>
-              <a:rPr lang="en" sz="1200"/>
+              <a:rPr lang="en" sz="1200" dirty="0"/>
               <a:t>}</a:t>
             </a:r>
-            <a:endParaRPr sz="1200"/>
+            <a:endParaRPr sz="1200" dirty="0"/>
           </a:p>
         </p:txBody>
       </p:sp>
@@ -11902,10 +11925,10 @@
               <a:buNone/>
             </a:pPr>
             <a:r>
-              <a:rPr lang="en"/>
+              <a:rPr lang="en" dirty="0"/>
               <a:t>Neo Hookean PK1 Stress</a:t>
             </a:r>
-            <a:endParaRPr sz="1800"/>
+            <a:endParaRPr sz="1800" dirty="0"/>
           </a:p>
           <a:p>
             <a:pPr marL="0" lvl="0" indent="0" algn="l" rtl="0">
@@ -11917,7 +11940,7 @@
               </a:spcAft>
               <a:buNone/>
             </a:pPr>
-            <a:endParaRPr sz="1800"/>
+            <a:endParaRPr sz="1800" dirty="0"/>
           </a:p>
           <a:p>
             <a:pPr marL="0" lvl="0" indent="0" algn="l" rtl="0">
@@ -11930,10 +11953,10 @@
               <a:buNone/>
             </a:pPr>
             <a:r>
-              <a:rPr lang="en" sz="1800"/>
+              <a:rPr lang="en" sz="1800" dirty="0"/>
               <a:t>We will also add a term for dilational component of stress, which enforces the incompressibility condition</a:t>
             </a:r>
-            <a:endParaRPr sz="1800"/>
+            <a:endParaRPr sz="1800" dirty="0"/>
           </a:p>
           <a:p>
             <a:pPr marL="0" lvl="0" indent="0" algn="l" rtl="0">
@@ -11945,7 +11968,7 @@
               </a:spcAft>
               <a:buNone/>
             </a:pPr>
-            <a:endParaRPr sz="1800"/>
+            <a:endParaRPr sz="1800" dirty="0"/>
           </a:p>
           <a:p>
             <a:pPr marL="0" lvl="0" indent="0" algn="l" rtl="0">
@@ -11958,10 +11981,10 @@
               <a:buNone/>
             </a:pPr>
             <a:r>
-              <a:rPr lang="en" sz="1800"/>
+              <a:rPr lang="en" sz="1800" dirty="0"/>
               <a:t>P=-mu*F^-T</a:t>
             </a:r>
-            <a:endParaRPr sz="1800"/>
+            <a:endParaRPr sz="1800" dirty="0"/>
           </a:p>
           <a:p>
             <a:pPr marL="0" lvl="0" indent="0" algn="l" rtl="0">
@@ -11973,7 +11996,7 @@
               </a:spcAft>
               <a:buNone/>
             </a:pPr>
-            <a:endParaRPr sz="1800"/>
+            <a:endParaRPr sz="1800" dirty="0"/>
           </a:p>
           <a:p>
             <a:pPr marL="0" lvl="0" indent="0" algn="l" rtl="0">
@@ -11986,10 +12009,10 @@
               <a:buNone/>
             </a:pPr>
             <a:r>
-              <a:rPr lang="en" sz="1800"/>
+              <a:rPr lang="en" sz="1800" dirty="0"/>
               <a:t>More information here:</a:t>
             </a:r>
-            <a:endParaRPr sz="1800"/>
+            <a:endParaRPr sz="1800" dirty="0"/>
           </a:p>
           <a:p>
             <a:pPr marL="0" lvl="0" indent="0" algn="l" rtl="0">
@@ -12002,7 +12025,7 @@
               <a:buNone/>
             </a:pPr>
             <a:r>
-              <a:rPr lang="en" sz="1800" u="sng">
+              <a:rPr lang="en" sz="1800" u="sng" dirty="0">
                 <a:solidFill>
                   <a:schemeClr val="hlink"/>
                 </a:solidFill>
@@ -12010,7 +12033,7 @@
               </a:rPr>
               <a:t>http://en.wikipedia.org/wiki/Neo-Hookean_solid#Incompressible_neo-Hookean_material</a:t>
             </a:r>
-            <a:endParaRPr sz="1800"/>
+            <a:endParaRPr sz="1800" dirty="0"/>
           </a:p>
           <a:p>
             <a:pPr marL="0" lvl="0" indent="0" algn="l" rtl="0">
@@ -12022,7 +12045,7 @@
               </a:spcAft>
               <a:buNone/>
             </a:pPr>
-            <a:endParaRPr sz="1800"/>
+            <a:endParaRPr sz="1800" dirty="0"/>
           </a:p>
           <a:p>
             <a:pPr marL="0" lvl="0" indent="0" algn="l" rtl="0">
@@ -12034,7 +12057,7 @@
               </a:spcAft>
               <a:buNone/>
             </a:pPr>
-            <a:endParaRPr sz="1800"/>
+            <a:endParaRPr sz="1800" dirty="0"/>
           </a:p>
           <a:p>
             <a:pPr marL="0" lvl="0" indent="0" algn="l" rtl="0">
@@ -12046,7 +12069,7 @@
               </a:spcAft>
               <a:buNone/>
             </a:pPr>
-            <a:endParaRPr sz="1800"/>
+            <a:endParaRPr sz="1800" dirty="0"/>
           </a:p>
           <a:p>
             <a:pPr marL="0" lvl="0" indent="0" algn="l" rtl="0">
@@ -12058,7 +12081,7 @@
               </a:spcAft>
               <a:buNone/>
             </a:pPr>
-            <a:endParaRPr sz="1800"/>
+            <a:endParaRPr sz="1800" dirty="0"/>
           </a:p>
         </p:txBody>
       </p:sp>
